--- a/nios2_lib/UART_API/程式解析.pptx
+++ b/nios2_lib/UART_API/程式解析.pptx
@@ -12,6 +12,11 @@
     <p:sldId id="260" r:id="rId6"/>
     <p:sldId id="261" r:id="rId7"/>
     <p:sldId id="262" r:id="rId8"/>
+    <p:sldId id="263" r:id="rId9"/>
+    <p:sldId id="264" r:id="rId10"/>
+    <p:sldId id="265" r:id="rId11"/>
+    <p:sldId id="266" r:id="rId12"/>
+    <p:sldId id="267" r:id="rId13"/>
   </p:sldIdLst>
   <p:sldSz cx="12192000" cy="6858000"/>
   <p:notesSz cx="6858000" cy="9144000"/>
@@ -110,6 +115,11 @@
       </a:defRPr>
     </a:lvl9pPr>
   </p:defaultTextStyle>
+  <p:extLst>
+    <p:ext uri="{EFAFB233-063F-42B5-8137-9DF3F51BA10A}">
+      <p15:sldGuideLst xmlns:p15="http://schemas.microsoft.com/office/powerpoint/2012/main"/>
+    </p:ext>
+  </p:extLst>
 </p:presentation>
 </file>
 
@@ -260,7 +270,7 @@
           <a:p>
             <a:fld id="{2B53D1F4-27BD-413C-8FD6-7C17F80675F3}" type="datetimeFigureOut">
               <a:rPr lang="zh-TW" altLang="en-US" smtClean="0"/>
-              <a:t>2023/4/24</a:t>
+              <a:t>2023/5/1</a:t>
             </a:fld>
             <a:endParaRPr lang="zh-TW" altLang="en-US"/>
           </a:p>
@@ -458,7 +468,7 @@
           <a:p>
             <a:fld id="{2B53D1F4-27BD-413C-8FD6-7C17F80675F3}" type="datetimeFigureOut">
               <a:rPr lang="zh-TW" altLang="en-US" smtClean="0"/>
-              <a:t>2023/4/24</a:t>
+              <a:t>2023/5/1</a:t>
             </a:fld>
             <a:endParaRPr lang="zh-TW" altLang="en-US"/>
           </a:p>
@@ -666,7 +676,7 @@
           <a:p>
             <a:fld id="{2B53D1F4-27BD-413C-8FD6-7C17F80675F3}" type="datetimeFigureOut">
               <a:rPr lang="zh-TW" altLang="en-US" smtClean="0"/>
-              <a:t>2023/4/24</a:t>
+              <a:t>2023/5/1</a:t>
             </a:fld>
             <a:endParaRPr lang="zh-TW" altLang="en-US"/>
           </a:p>
@@ -864,7 +874,7 @@
           <a:p>
             <a:fld id="{2B53D1F4-27BD-413C-8FD6-7C17F80675F3}" type="datetimeFigureOut">
               <a:rPr lang="zh-TW" altLang="en-US" smtClean="0"/>
-              <a:t>2023/4/24</a:t>
+              <a:t>2023/5/1</a:t>
             </a:fld>
             <a:endParaRPr lang="zh-TW" altLang="en-US"/>
           </a:p>
@@ -1139,7 +1149,7 @@
           <a:p>
             <a:fld id="{2B53D1F4-27BD-413C-8FD6-7C17F80675F3}" type="datetimeFigureOut">
               <a:rPr lang="zh-TW" altLang="en-US" smtClean="0"/>
-              <a:t>2023/4/24</a:t>
+              <a:t>2023/5/1</a:t>
             </a:fld>
             <a:endParaRPr lang="zh-TW" altLang="en-US"/>
           </a:p>
@@ -1404,7 +1414,7 @@
           <a:p>
             <a:fld id="{2B53D1F4-27BD-413C-8FD6-7C17F80675F3}" type="datetimeFigureOut">
               <a:rPr lang="zh-TW" altLang="en-US" smtClean="0"/>
-              <a:t>2023/4/24</a:t>
+              <a:t>2023/5/1</a:t>
             </a:fld>
             <a:endParaRPr lang="zh-TW" altLang="en-US"/>
           </a:p>
@@ -1816,7 +1826,7 @@
           <a:p>
             <a:fld id="{2B53D1F4-27BD-413C-8FD6-7C17F80675F3}" type="datetimeFigureOut">
               <a:rPr lang="zh-TW" altLang="en-US" smtClean="0"/>
-              <a:t>2023/4/24</a:t>
+              <a:t>2023/5/1</a:t>
             </a:fld>
             <a:endParaRPr lang="zh-TW" altLang="en-US"/>
           </a:p>
@@ -1957,7 +1967,7 @@
           <a:p>
             <a:fld id="{2B53D1F4-27BD-413C-8FD6-7C17F80675F3}" type="datetimeFigureOut">
               <a:rPr lang="zh-TW" altLang="en-US" smtClean="0"/>
-              <a:t>2023/4/24</a:t>
+              <a:t>2023/5/1</a:t>
             </a:fld>
             <a:endParaRPr lang="zh-TW" altLang="en-US"/>
           </a:p>
@@ -2070,7 +2080,7 @@
           <a:p>
             <a:fld id="{2B53D1F4-27BD-413C-8FD6-7C17F80675F3}" type="datetimeFigureOut">
               <a:rPr lang="zh-TW" altLang="en-US" smtClean="0"/>
-              <a:t>2023/4/24</a:t>
+              <a:t>2023/5/1</a:t>
             </a:fld>
             <a:endParaRPr lang="zh-TW" altLang="en-US"/>
           </a:p>
@@ -2381,7 +2391,7 @@
           <a:p>
             <a:fld id="{2B53D1F4-27BD-413C-8FD6-7C17F80675F3}" type="datetimeFigureOut">
               <a:rPr lang="zh-TW" altLang="en-US" smtClean="0"/>
-              <a:t>2023/4/24</a:t>
+              <a:t>2023/5/1</a:t>
             </a:fld>
             <a:endParaRPr lang="zh-TW" altLang="en-US"/>
           </a:p>
@@ -2669,7 +2679,7 @@
           <a:p>
             <a:fld id="{2B53D1F4-27BD-413C-8FD6-7C17F80675F3}" type="datetimeFigureOut">
               <a:rPr lang="zh-TW" altLang="en-US" smtClean="0"/>
-              <a:t>2023/4/24</a:t>
+              <a:t>2023/5/1</a:t>
             </a:fld>
             <a:endParaRPr lang="zh-TW" altLang="en-US"/>
           </a:p>
@@ -2910,7 +2920,7 @@
           <a:p>
             <a:fld id="{2B53D1F4-27BD-413C-8FD6-7C17F80675F3}" type="datetimeFigureOut">
               <a:rPr lang="zh-TW" altLang="en-US" smtClean="0"/>
-              <a:t>2023/4/24</a:t>
+              <a:t>2023/5/1</a:t>
             </a:fld>
             <a:endParaRPr lang="zh-TW" altLang="en-US"/>
           </a:p>
@@ -4158,6 +4168,197 @@
 </p:sld>
 </file>
 
+<file path=ppt/slides/slide10.xml><?xml version="1.0" encoding="utf-8"?>
+<p:sld xmlns:a="http://schemas.openxmlformats.org/drawingml/2006/main" xmlns:r="http://schemas.openxmlformats.org/officeDocument/2006/relationships" xmlns:p="http://schemas.openxmlformats.org/presentationml/2006/main">
+  <p:cSld>
+    <p:spTree>
+      <p:nvGrpSpPr>
+        <p:cNvPr id="1" name=""/>
+        <p:cNvGrpSpPr/>
+        <p:nvPr/>
+      </p:nvGrpSpPr>
+      <p:grpSpPr>
+        <a:xfrm>
+          <a:off x="0" y="0"/>
+          <a:ext cx="0" cy="0"/>
+          <a:chOff x="0" y="0"/>
+          <a:chExt cx="0" cy="0"/>
+        </a:xfrm>
+      </p:grpSpPr>
+      <p:sp>
+        <p:nvSpPr>
+          <p:cNvPr id="2" name="文字方塊 1">
+            <a:extLst>
+              <a:ext uri="{FF2B5EF4-FFF2-40B4-BE49-F238E27FC236}">
+                <a16:creationId xmlns:a16="http://schemas.microsoft.com/office/drawing/2014/main" id="{3D9464B0-2AEB-99FE-A762-929C7DC7936F}"/>
+              </a:ext>
+            </a:extLst>
+          </p:cNvPr>
+          <p:cNvSpPr txBox="1"/>
+          <p:nvPr/>
+        </p:nvSpPr>
+        <p:spPr>
+          <a:xfrm>
+            <a:off x="304800" y="314632"/>
+            <a:ext cx="1748684" cy="369332"/>
+          </a:xfrm>
+          <a:prstGeom prst="rect">
+            <a:avLst/>
+          </a:prstGeom>
+          <a:noFill/>
+        </p:spPr>
+        <p:txBody>
+          <a:bodyPr wrap="none" rtlCol="0">
+            <a:spAutoFit/>
+          </a:bodyPr>
+          <a:lstStyle/>
+          <a:p>
+            <a:r>
+              <a:rPr lang="en-US" altLang="zh-TW" dirty="0"/>
+              <a:t>Control Register:</a:t>
+            </a:r>
+            <a:endParaRPr lang="zh-TW" altLang="en-US" dirty="0"/>
+          </a:p>
+        </p:txBody>
+      </p:sp>
+      <p:sp>
+        <p:nvSpPr>
+          <p:cNvPr id="4" name="文字方塊 3">
+            <a:extLst>
+              <a:ext uri="{FF2B5EF4-FFF2-40B4-BE49-F238E27FC236}">
+                <a16:creationId xmlns:a16="http://schemas.microsoft.com/office/drawing/2014/main" id="{6E782469-EF0E-699D-705E-FA19B7DE25FD}"/>
+              </a:ext>
+            </a:extLst>
+          </p:cNvPr>
+          <p:cNvSpPr txBox="1"/>
+          <p:nvPr/>
+        </p:nvSpPr>
+        <p:spPr>
+          <a:xfrm>
+            <a:off x="373626" y="1267117"/>
+            <a:ext cx="11818374" cy="646331"/>
+          </a:xfrm>
+          <a:prstGeom prst="rect">
+            <a:avLst/>
+          </a:prstGeom>
+          <a:noFill/>
+        </p:spPr>
+        <p:txBody>
+          <a:bodyPr wrap="square">
+            <a:spAutoFit/>
+          </a:bodyPr>
+          <a:lstStyle/>
+          <a:p>
+            <a:r>
+              <a:rPr lang="zh-TW" altLang="en-US" dirty="0"/>
+              <a:t>Each bit in the control register enables an IRQ for a corresponding bit in the status register. When both a status bit and its corresponding interrupt-enable bit are 1, the core generates an IRQ.</a:t>
+            </a:r>
+          </a:p>
+        </p:txBody>
+      </p:sp>
+      <p:pic>
+        <p:nvPicPr>
+          <p:cNvPr id="6" name="圖片 5">
+            <a:extLst>
+              <a:ext uri="{FF2B5EF4-FFF2-40B4-BE49-F238E27FC236}">
+                <a16:creationId xmlns:a16="http://schemas.microsoft.com/office/drawing/2014/main" id="{4450DDCE-EFA4-C5B3-F3CA-0225A8869DA1}"/>
+              </a:ext>
+            </a:extLst>
+          </p:cNvPr>
+          <p:cNvPicPr>
+            <a:picLocks noChangeAspect="1"/>
+          </p:cNvPicPr>
+          <p:nvPr/>
+        </p:nvPicPr>
+        <p:blipFill>
+          <a:blip r:embed="rId2"/>
+          <a:stretch>
+            <a:fillRect/>
+          </a:stretch>
+        </p:blipFill>
+        <p:spPr>
+          <a:xfrm>
+            <a:off x="5198757" y="2202426"/>
+            <a:ext cx="6376471" cy="4545412"/>
+          </a:xfrm>
+          <a:prstGeom prst="rect">
+            <a:avLst/>
+          </a:prstGeom>
+        </p:spPr>
+      </p:pic>
+    </p:spTree>
+    <p:extLst>
+      <p:ext uri="{BB962C8B-B14F-4D97-AF65-F5344CB8AC3E}">
+        <p14:creationId xmlns:p14="http://schemas.microsoft.com/office/powerpoint/2010/main" val="3183970009"/>
+      </p:ext>
+    </p:extLst>
+  </p:cSld>
+  <p:clrMapOvr>
+    <a:masterClrMapping/>
+  </p:clrMapOvr>
+</p:sld>
+</file>
+
+<file path=ppt/slides/slide11.xml><?xml version="1.0" encoding="utf-8"?>
+<p:sld xmlns:a="http://schemas.openxmlformats.org/drawingml/2006/main" xmlns:r="http://schemas.openxmlformats.org/officeDocument/2006/relationships" xmlns:p="http://schemas.openxmlformats.org/presentationml/2006/main">
+  <p:cSld>
+    <p:spTree>
+      <p:nvGrpSpPr>
+        <p:cNvPr id="1" name=""/>
+        <p:cNvGrpSpPr/>
+        <p:nvPr/>
+      </p:nvGrpSpPr>
+      <p:grpSpPr>
+        <a:xfrm>
+          <a:off x="0" y="0"/>
+          <a:ext cx="0" cy="0"/>
+          <a:chOff x="0" y="0"/>
+          <a:chExt cx="0" cy="0"/>
+        </a:xfrm>
+      </p:grpSpPr>
+    </p:spTree>
+    <p:extLst>
+      <p:ext uri="{BB962C8B-B14F-4D97-AF65-F5344CB8AC3E}">
+        <p14:creationId xmlns:p14="http://schemas.microsoft.com/office/powerpoint/2010/main" val="2514491774"/>
+      </p:ext>
+    </p:extLst>
+  </p:cSld>
+  <p:clrMapOvr>
+    <a:masterClrMapping/>
+  </p:clrMapOvr>
+</p:sld>
+</file>
+
+<file path=ppt/slides/slide12.xml><?xml version="1.0" encoding="utf-8"?>
+<p:sld xmlns:a="http://schemas.openxmlformats.org/drawingml/2006/main" xmlns:r="http://schemas.openxmlformats.org/officeDocument/2006/relationships" xmlns:p="http://schemas.openxmlformats.org/presentationml/2006/main">
+  <p:cSld>
+    <p:spTree>
+      <p:nvGrpSpPr>
+        <p:cNvPr id="1" name=""/>
+        <p:cNvGrpSpPr/>
+        <p:nvPr/>
+      </p:nvGrpSpPr>
+      <p:grpSpPr>
+        <a:xfrm>
+          <a:off x="0" y="0"/>
+          <a:ext cx="0" cy="0"/>
+          <a:chOff x="0" y="0"/>
+          <a:chExt cx="0" cy="0"/>
+        </a:xfrm>
+      </p:grpSpPr>
+    </p:spTree>
+    <p:extLst>
+      <p:ext uri="{BB962C8B-B14F-4D97-AF65-F5344CB8AC3E}">
+        <p14:creationId xmlns:p14="http://schemas.microsoft.com/office/powerpoint/2010/main" val="3484383800"/>
+      </p:ext>
+    </p:extLst>
+  </p:cSld>
+  <p:clrMapOvr>
+    <a:masterClrMapping/>
+  </p:clrMapOvr>
+</p:sld>
+</file>
+
 <file path=ppt/slides/slide2.xml><?xml version="1.0" encoding="utf-8"?>
 <p:sld xmlns:a="http://schemas.openxmlformats.org/drawingml/2006/main" xmlns:r="http://schemas.openxmlformats.org/officeDocument/2006/relationships" xmlns:p="http://schemas.openxmlformats.org/presentationml/2006/main">
   <p:cSld>
@@ -5758,6 +5959,36 @@
           <a:chExt cx="0" cy="0"/>
         </a:xfrm>
       </p:grpSpPr>
+      <p:pic>
+        <p:nvPicPr>
+          <p:cNvPr id="3" name="圖片 2">
+            <a:extLst>
+              <a:ext uri="{FF2B5EF4-FFF2-40B4-BE49-F238E27FC236}">
+                <a16:creationId xmlns:a16="http://schemas.microsoft.com/office/drawing/2014/main" id="{31811D18-8C3B-C6CD-00EA-5B1C7F7774BB}"/>
+              </a:ext>
+            </a:extLst>
+          </p:cNvPr>
+          <p:cNvPicPr>
+            <a:picLocks noChangeAspect="1"/>
+          </p:cNvPicPr>
+          <p:nvPr/>
+        </p:nvPicPr>
+        <p:blipFill>
+          <a:blip r:embed="rId2"/>
+          <a:stretch>
+            <a:fillRect/>
+          </a:stretch>
+        </p:blipFill>
+        <p:spPr>
+          <a:xfrm>
+            <a:off x="975076" y="1152527"/>
+            <a:ext cx="9396274" cy="4198984"/>
+          </a:xfrm>
+          <a:prstGeom prst="rect">
+            <a:avLst/>
+          </a:prstGeom>
+        </p:spPr>
+      </p:pic>
     </p:spTree>
     <p:extLst>
       <p:ext uri="{BB962C8B-B14F-4D97-AF65-F5344CB8AC3E}">
@@ -5788,10 +6019,825 @@
           <a:chExt cx="0" cy="0"/>
         </a:xfrm>
       </p:grpSpPr>
+      <p:pic>
+        <p:nvPicPr>
+          <p:cNvPr id="3" name="圖片 2">
+            <a:extLst>
+              <a:ext uri="{FF2B5EF4-FFF2-40B4-BE49-F238E27FC236}">
+                <a16:creationId xmlns:a16="http://schemas.microsoft.com/office/drawing/2014/main" id="{153D4440-C3D9-1B3F-4D27-90D281A24C7B}"/>
+              </a:ext>
+            </a:extLst>
+          </p:cNvPr>
+          <p:cNvPicPr>
+            <a:picLocks noChangeAspect="1"/>
+          </p:cNvPicPr>
+          <p:nvPr/>
+        </p:nvPicPr>
+        <p:blipFill>
+          <a:blip r:embed="rId2"/>
+          <a:stretch>
+            <a:fillRect/>
+          </a:stretch>
+        </p:blipFill>
+        <p:spPr>
+          <a:xfrm>
+            <a:off x="6823587" y="4088082"/>
+            <a:ext cx="5049034" cy="2657984"/>
+          </a:xfrm>
+          <a:prstGeom prst="rect">
+            <a:avLst/>
+          </a:prstGeom>
+        </p:spPr>
+      </p:pic>
+      <p:sp>
+        <p:nvSpPr>
+          <p:cNvPr id="5" name="文字方塊 4">
+            <a:extLst>
+              <a:ext uri="{FF2B5EF4-FFF2-40B4-BE49-F238E27FC236}">
+                <a16:creationId xmlns:a16="http://schemas.microsoft.com/office/drawing/2014/main" id="{9979B56E-4C89-E19A-C235-F00041D27AAC}"/>
+              </a:ext>
+            </a:extLst>
+          </p:cNvPr>
+          <p:cNvSpPr txBox="1"/>
+          <p:nvPr/>
+        </p:nvSpPr>
+        <p:spPr>
+          <a:xfrm>
+            <a:off x="186814" y="111934"/>
+            <a:ext cx="10894142" cy="3539430"/>
+          </a:xfrm>
+          <a:prstGeom prst="rect">
+            <a:avLst/>
+          </a:prstGeom>
+          <a:noFill/>
+        </p:spPr>
+        <p:txBody>
+          <a:bodyPr wrap="square">
+            <a:spAutoFit/>
+          </a:bodyPr>
+          <a:lstStyle/>
+          <a:p>
+            <a:pPr marL="285750" indent="-285750">
+              <a:buFont typeface="Wingdings" panose="05000000000000000000" pitchFamily="2" charset="2"/>
+              <a:buChar char="u"/>
+            </a:pPr>
+            <a:r>
+              <a:rPr lang="zh-TW" altLang="en-US" sz="1600" dirty="0"/>
+              <a:t>The user interface to the UART core consists of six, </a:t>
+            </a:r>
+            <a:r>
+              <a:rPr lang="zh-TW" altLang="en-US" sz="1600" dirty="0">
+                <a:solidFill>
+                  <a:srgbClr val="FF0000"/>
+                </a:solidFill>
+              </a:rPr>
+              <a:t>16-bit</a:t>
+            </a:r>
+            <a:r>
+              <a:rPr lang="zh-TW" altLang="en-US" sz="1600" dirty="0"/>
+              <a:t> registers: control, status, rxdata, txdata, divisor, and endofpacket.</a:t>
+            </a:r>
+            <a:endParaRPr lang="en-US" altLang="zh-TW" sz="1600" dirty="0"/>
+          </a:p>
+          <a:p>
+            <a:pPr marL="285750" indent="-285750">
+              <a:buFont typeface="Wingdings" panose="05000000000000000000" pitchFamily="2" charset="2"/>
+              <a:buChar char="u"/>
+            </a:pPr>
+            <a:r>
+              <a:rPr lang="en-US" altLang="zh-TW" sz="1600" dirty="0"/>
+              <a:t>The UART core provides an active-high interrupt request (IRQ) output that can request</a:t>
+            </a:r>
+            <a:r>
+              <a:rPr lang="zh-TW" altLang="en-US" sz="1600" dirty="0"/>
+              <a:t> </a:t>
+            </a:r>
+            <a:r>
+              <a:rPr lang="en-US" altLang="zh-TW" sz="1600" dirty="0"/>
+              <a:t>an interrupt </a:t>
+            </a:r>
+            <a:r>
+              <a:rPr lang="en-US" altLang="zh-TW" sz="1600" dirty="0">
+                <a:solidFill>
+                  <a:srgbClr val="FF0000"/>
+                </a:solidFill>
+              </a:rPr>
+              <a:t>when new data has been received</a:t>
+            </a:r>
+            <a:r>
+              <a:rPr lang="en-US" altLang="zh-TW" sz="1600" dirty="0"/>
+              <a:t>, or </a:t>
+            </a:r>
+            <a:r>
+              <a:rPr lang="en-US" altLang="zh-TW" sz="1600" dirty="0">
+                <a:solidFill>
+                  <a:srgbClr val="FF0000"/>
+                </a:solidFill>
+              </a:rPr>
+              <a:t>when the core is ready to transmit</a:t>
+            </a:r>
+            <a:r>
+              <a:rPr lang="zh-TW" altLang="en-US" sz="1600" dirty="0">
+                <a:solidFill>
+                  <a:srgbClr val="FF0000"/>
+                </a:solidFill>
+              </a:rPr>
+              <a:t> </a:t>
+            </a:r>
+            <a:r>
+              <a:rPr lang="en-US" altLang="zh-TW" sz="1600" dirty="0">
+                <a:solidFill>
+                  <a:srgbClr val="FF0000"/>
+                </a:solidFill>
+              </a:rPr>
+              <a:t>another character.</a:t>
+            </a:r>
+          </a:p>
+          <a:p>
+            <a:pPr marL="285750" indent="-285750">
+              <a:buFont typeface="Wingdings" panose="05000000000000000000" pitchFamily="2" charset="2"/>
+              <a:buChar char="u"/>
+            </a:pPr>
+            <a:r>
+              <a:rPr lang="en-US" altLang="zh-TW" sz="1600" dirty="0"/>
+              <a:t>The UART transmitter consists of a 7-, 8-, or 9-bit txdata holding register and a</a:t>
+            </a:r>
+            <a:r>
+              <a:rPr lang="zh-TW" altLang="en-US" sz="1600" dirty="0"/>
+              <a:t> </a:t>
+            </a:r>
+            <a:r>
+              <a:rPr lang="en-US" altLang="zh-TW" sz="1600" dirty="0"/>
+              <a:t>corresponding 7-, 8-, or 9-bit transmit shift register.</a:t>
+            </a:r>
+          </a:p>
+          <a:p>
+            <a:pPr marL="800100" lvl="1" indent="-342900">
+              <a:buFont typeface="+mj-lt"/>
+              <a:buAutoNum type="arabicParenR"/>
+            </a:pPr>
+            <a:r>
+              <a:rPr lang="en-US" altLang="zh-TW" sz="1600" dirty="0"/>
+              <a:t> The transmit shift</a:t>
+            </a:r>
+            <a:r>
+              <a:rPr lang="zh-TW" altLang="en-US" sz="1600" dirty="0"/>
+              <a:t> </a:t>
+            </a:r>
+            <a:r>
+              <a:rPr lang="en-US" altLang="zh-TW" sz="1600" dirty="0"/>
+              <a:t>register is loaded from the txdata register automatically when a serial transmit shift</a:t>
+            </a:r>
+            <a:r>
+              <a:rPr lang="zh-TW" altLang="en-US" sz="1600" dirty="0"/>
+              <a:t> </a:t>
+            </a:r>
+            <a:r>
+              <a:rPr lang="en-US" altLang="zh-TW" sz="1600" dirty="0"/>
+              <a:t>operation is not currently in progress.</a:t>
+            </a:r>
+          </a:p>
+          <a:p>
+            <a:pPr marL="800100" lvl="1" indent="-342900">
+              <a:buFont typeface="+mj-lt"/>
+              <a:buAutoNum type="arabicParenR"/>
+            </a:pPr>
+            <a:r>
+              <a:rPr lang="en-US" altLang="zh-TW" sz="1600" dirty="0"/>
+              <a:t>The master peripheral can monitor the transmitter‘s status by reading the</a:t>
+            </a:r>
+            <a:r>
+              <a:rPr lang="zh-TW" altLang="en-US" sz="1600" dirty="0"/>
+              <a:t> </a:t>
+            </a:r>
+            <a:r>
+              <a:rPr lang="en-US" altLang="zh-TW" sz="1600" dirty="0"/>
+              <a:t>status register‘s transmitter ready (TRDY), transmitter shift register empty (</a:t>
+            </a:r>
+            <a:r>
+              <a:rPr lang="en-US" altLang="zh-TW" sz="1600" dirty="0" err="1"/>
+              <a:t>tmt</a:t>
+            </a:r>
+            <a:r>
+              <a:rPr lang="en-US" altLang="zh-TW" sz="1600" dirty="0"/>
+              <a:t>),</a:t>
+            </a:r>
+            <a:r>
+              <a:rPr lang="zh-TW" altLang="en-US" sz="1600" dirty="0"/>
+              <a:t> </a:t>
+            </a:r>
+            <a:r>
+              <a:rPr lang="en-US" altLang="zh-TW" sz="1600" dirty="0"/>
+              <a:t>and transmitter overrun error (TOE) bits.</a:t>
+            </a:r>
+          </a:p>
+          <a:p>
+            <a:pPr marL="285750" indent="-285750">
+              <a:buFont typeface="Wingdings" panose="05000000000000000000" pitchFamily="2" charset="2"/>
+              <a:buChar char="u"/>
+            </a:pPr>
+            <a:r>
+              <a:rPr lang="en-US" altLang="zh-TW" sz="1600" dirty="0"/>
+              <a:t>The UART receiver consists of a 7-, 8-, or 9-bit receiver-shift register and a</a:t>
+            </a:r>
+            <a:r>
+              <a:rPr lang="zh-TW" altLang="en-US" sz="1600" dirty="0"/>
+              <a:t> </a:t>
+            </a:r>
+            <a:r>
+              <a:rPr lang="en-US" altLang="zh-TW" sz="1600" dirty="0"/>
+              <a:t>corresponding 7-, 8-, or 9-bit rxdata holding register.</a:t>
+            </a:r>
+          </a:p>
+          <a:p>
+            <a:pPr marL="800100" lvl="1" indent="-342900">
+              <a:buFont typeface="+mj-lt"/>
+              <a:buAutoNum type="arabicParenR"/>
+            </a:pPr>
+            <a:r>
+              <a:rPr lang="en-US" altLang="zh-TW" sz="1600" dirty="0"/>
+              <a:t>The rxdata holding</a:t>
+            </a:r>
+            <a:r>
+              <a:rPr lang="zh-TW" altLang="en-US" sz="1600" dirty="0"/>
+              <a:t> </a:t>
+            </a:r>
+            <a:r>
+              <a:rPr lang="en-US" altLang="zh-TW" sz="1600" dirty="0"/>
+              <a:t>register is loaded from the receiver shift register automatically every time a new</a:t>
+            </a:r>
+            <a:r>
+              <a:rPr lang="zh-TW" altLang="en-US" sz="1600" dirty="0"/>
+              <a:t> </a:t>
+            </a:r>
+            <a:r>
+              <a:rPr lang="en-US" altLang="zh-TW" sz="1600" dirty="0"/>
+              <a:t>character is fully received.</a:t>
+            </a:r>
+          </a:p>
+          <a:p>
+            <a:pPr marL="800100" lvl="1" indent="-342900">
+              <a:buFont typeface="+mj-lt"/>
+              <a:buAutoNum type="arabicParenR"/>
+            </a:pPr>
+            <a:r>
+              <a:rPr lang="en-US" altLang="zh-TW" sz="1600" dirty="0"/>
+              <a:t>A master peripheral can monitor the receiver‘s status by reading the status</a:t>
+            </a:r>
+            <a:r>
+              <a:rPr lang="zh-TW" altLang="en-US" sz="1600" dirty="0"/>
+              <a:t> </a:t>
+            </a:r>
+            <a:r>
+              <a:rPr lang="en-US" altLang="zh-TW" sz="1600" dirty="0"/>
+              <a:t>register‘s read-ready (RRDY), receiver-overrun error (ROE), break detect (BRK), parity</a:t>
+            </a:r>
+            <a:r>
+              <a:rPr lang="zh-TW" altLang="en-US" sz="1600" dirty="0"/>
+              <a:t> </a:t>
+            </a:r>
+            <a:r>
+              <a:rPr lang="en-US" altLang="zh-TW" sz="1600" dirty="0"/>
+              <a:t>error (PE), and framing error (FE) bits. </a:t>
+            </a:r>
+            <a:endParaRPr lang="zh-TW" altLang="en-US" sz="1600" dirty="0"/>
+          </a:p>
+        </p:txBody>
+      </p:sp>
     </p:spTree>
     <p:extLst>
       <p:ext uri="{BB962C8B-B14F-4D97-AF65-F5344CB8AC3E}">
         <p14:creationId xmlns:p14="http://schemas.microsoft.com/office/powerpoint/2010/main" val="821141998"/>
+      </p:ext>
+    </p:extLst>
+  </p:cSld>
+  <p:clrMapOvr>
+    <a:masterClrMapping/>
+  </p:clrMapOvr>
+</p:sld>
+</file>
+
+<file path=ppt/slides/slide8.xml><?xml version="1.0" encoding="utf-8"?>
+<p:sld xmlns:a="http://schemas.openxmlformats.org/drawingml/2006/main" xmlns:r="http://schemas.openxmlformats.org/officeDocument/2006/relationships" xmlns:p="http://schemas.openxmlformats.org/presentationml/2006/main">
+  <p:cSld>
+    <p:spTree>
+      <p:nvGrpSpPr>
+        <p:cNvPr id="1" name=""/>
+        <p:cNvGrpSpPr/>
+        <p:nvPr/>
+      </p:nvGrpSpPr>
+      <p:grpSpPr>
+        <a:xfrm>
+          <a:off x="0" y="0"/>
+          <a:ext cx="0" cy="0"/>
+          <a:chOff x="0" y="0"/>
+          <a:chExt cx="0" cy="0"/>
+        </a:xfrm>
+      </p:grpSpPr>
+      <p:sp>
+        <p:nvSpPr>
+          <p:cNvPr id="2" name="文字方塊 1">
+            <a:extLst>
+              <a:ext uri="{FF2B5EF4-FFF2-40B4-BE49-F238E27FC236}">
+                <a16:creationId xmlns:a16="http://schemas.microsoft.com/office/drawing/2014/main" id="{334173B6-79FE-8513-0FEB-1ED4EF64D63D}"/>
+              </a:ext>
+            </a:extLst>
+          </p:cNvPr>
+          <p:cNvSpPr txBox="1"/>
+          <p:nvPr/>
+        </p:nvSpPr>
+        <p:spPr>
+          <a:xfrm>
+            <a:off x="393290" y="403123"/>
+            <a:ext cx="1645259" cy="369332"/>
+          </a:xfrm>
+          <a:prstGeom prst="rect">
+            <a:avLst/>
+          </a:prstGeom>
+          <a:noFill/>
+        </p:spPr>
+        <p:txBody>
+          <a:bodyPr wrap="none" rtlCol="0">
+            <a:spAutoFit/>
+          </a:bodyPr>
+          <a:lstStyle/>
+          <a:p>
+            <a:r>
+              <a:rPr lang="en-US" altLang="zh-TW" dirty="0"/>
+              <a:t>rxdata Register:</a:t>
+            </a:r>
+            <a:endParaRPr lang="zh-TW" altLang="en-US" dirty="0"/>
+          </a:p>
+        </p:txBody>
+      </p:sp>
+      <p:sp>
+        <p:nvSpPr>
+          <p:cNvPr id="4" name="文字方塊 3">
+            <a:extLst>
+              <a:ext uri="{FF2B5EF4-FFF2-40B4-BE49-F238E27FC236}">
+                <a16:creationId xmlns:a16="http://schemas.microsoft.com/office/drawing/2014/main" id="{F1B258EF-8B9A-E589-6E4F-70DFB8999965}"/>
+              </a:ext>
+            </a:extLst>
+          </p:cNvPr>
+          <p:cNvSpPr txBox="1"/>
+          <p:nvPr/>
+        </p:nvSpPr>
+        <p:spPr>
+          <a:xfrm>
+            <a:off x="609600" y="1680071"/>
+            <a:ext cx="10618839" cy="923330"/>
+          </a:xfrm>
+          <a:prstGeom prst="rect">
+            <a:avLst/>
+          </a:prstGeom>
+          <a:noFill/>
+        </p:spPr>
+        <p:txBody>
+          <a:bodyPr wrap="square">
+            <a:spAutoFit/>
+          </a:bodyPr>
+          <a:lstStyle/>
+          <a:p>
+            <a:pPr marL="342900" indent="-342900">
+              <a:buFont typeface="Wingdings" panose="05000000000000000000" pitchFamily="2" charset="2"/>
+              <a:buChar char="u"/>
+            </a:pPr>
+            <a:r>
+              <a:rPr lang="zh-TW" altLang="en-US" dirty="0"/>
+              <a:t>The rxdata register holds data received via the RXD input. When a new character is fully received via the RXD input, it is transferred into the rxdata register, and the status register's rrdy bit is set to 1. </a:t>
+            </a:r>
+            <a:endParaRPr lang="en-US" altLang="zh-TW" dirty="0"/>
+          </a:p>
+          <a:p>
+            <a:pPr marL="342900" indent="-342900">
+              <a:buFont typeface="Wingdings" panose="05000000000000000000" pitchFamily="2" charset="2"/>
+              <a:buChar char="u"/>
+            </a:pPr>
+            <a:r>
+              <a:rPr lang="en-US" altLang="zh-TW" dirty="0"/>
+              <a:t>The status register's rrdy bit is set to 0 when the rxdata register is read.</a:t>
+            </a:r>
+            <a:endParaRPr lang="zh-TW" altLang="en-US" dirty="0"/>
+          </a:p>
+        </p:txBody>
+      </p:sp>
+      <p:sp>
+        <p:nvSpPr>
+          <p:cNvPr id="5" name="文字方塊 4">
+            <a:extLst>
+              <a:ext uri="{FF2B5EF4-FFF2-40B4-BE49-F238E27FC236}">
+                <a16:creationId xmlns:a16="http://schemas.microsoft.com/office/drawing/2014/main" id="{DC1B2DE6-3791-4AE0-F255-ECC7AA772B60}"/>
+              </a:ext>
+            </a:extLst>
+          </p:cNvPr>
+          <p:cNvSpPr txBox="1"/>
+          <p:nvPr/>
+        </p:nvSpPr>
+        <p:spPr>
+          <a:xfrm>
+            <a:off x="786580" y="1105507"/>
+            <a:ext cx="10478318" cy="369332"/>
+          </a:xfrm>
+          <a:prstGeom prst="rect">
+            <a:avLst/>
+          </a:prstGeom>
+          <a:noFill/>
+        </p:spPr>
+        <p:txBody>
+          <a:bodyPr wrap="none" rtlCol="0">
+            <a:spAutoFit/>
+          </a:bodyPr>
+          <a:lstStyle/>
+          <a:p>
+            <a:r>
+              <a:rPr lang="en-US" altLang="zh-TW" dirty="0">
+                <a:solidFill>
+                  <a:srgbClr val="FF0000"/>
+                </a:solidFill>
+              </a:rPr>
+              <a:t>rxdata register </a:t>
+            </a:r>
+            <a:r>
+              <a:rPr lang="zh-TW" altLang="en-US" dirty="0">
+                <a:solidFill>
+                  <a:srgbClr val="FF0000"/>
+                </a:solidFill>
+              </a:rPr>
+              <a:t>有值時</a:t>
+            </a:r>
+            <a:r>
+              <a:rPr lang="en-US" altLang="zh-TW" dirty="0">
+                <a:solidFill>
+                  <a:srgbClr val="FF0000"/>
+                </a:solidFill>
+              </a:rPr>
+              <a:t>:</a:t>
+            </a:r>
+            <a:r>
+              <a:rPr lang="zh-TW" altLang="en-US" dirty="0">
+                <a:solidFill>
+                  <a:srgbClr val="FF0000"/>
+                </a:solidFill>
+              </a:rPr>
+              <a:t> </a:t>
+            </a:r>
+            <a:r>
+              <a:rPr lang="en-US" altLang="zh-TW" dirty="0">
+                <a:solidFill>
+                  <a:srgbClr val="FF0000"/>
+                </a:solidFill>
+              </a:rPr>
+              <a:t>status register.rrdy = 1, </a:t>
+            </a:r>
+            <a:r>
+              <a:rPr lang="zh-TW" altLang="en-US" dirty="0">
+                <a:solidFill>
+                  <a:srgbClr val="FF0000"/>
+                </a:solidFill>
+              </a:rPr>
+              <a:t>無值時為</a:t>
+            </a:r>
+            <a:r>
+              <a:rPr lang="en-US" altLang="zh-TW" dirty="0">
+                <a:solidFill>
+                  <a:srgbClr val="FF0000"/>
+                </a:solidFill>
+              </a:rPr>
+              <a:t>0</a:t>
+            </a:r>
+            <a:r>
+              <a:rPr lang="zh-TW" altLang="en-US" dirty="0">
+                <a:solidFill>
+                  <a:srgbClr val="FF0000"/>
+                </a:solidFill>
+              </a:rPr>
+              <a:t>。只有當</a:t>
+            </a:r>
+            <a:r>
+              <a:rPr lang="en-US" altLang="zh-TW" dirty="0">
+                <a:solidFill>
+                  <a:srgbClr val="FF0000"/>
+                </a:solidFill>
+              </a:rPr>
+              <a:t>status register.rrdy = 1</a:t>
+            </a:r>
+            <a:r>
+              <a:rPr lang="zh-TW" altLang="en-US" dirty="0">
+                <a:solidFill>
+                  <a:srgbClr val="FF0000"/>
+                </a:solidFill>
+              </a:rPr>
+              <a:t>時才能將值讀出</a:t>
+            </a:r>
+            <a:r>
+              <a:rPr lang="en-US" altLang="zh-TW" dirty="0">
+                <a:solidFill>
+                  <a:srgbClr val="FF0000"/>
+                </a:solidFill>
+              </a:rPr>
+              <a:t>!</a:t>
+            </a:r>
+            <a:endParaRPr lang="zh-TW" altLang="en-US" dirty="0">
+              <a:solidFill>
+                <a:srgbClr val="FF0000"/>
+              </a:solidFill>
+            </a:endParaRPr>
+          </a:p>
+        </p:txBody>
+      </p:sp>
+      <p:sp>
+        <p:nvSpPr>
+          <p:cNvPr id="6" name="文字方塊 5">
+            <a:extLst>
+              <a:ext uri="{FF2B5EF4-FFF2-40B4-BE49-F238E27FC236}">
+                <a16:creationId xmlns:a16="http://schemas.microsoft.com/office/drawing/2014/main" id="{9C6BDE53-5B22-B54A-D7F6-D83797E21296}"/>
+              </a:ext>
+            </a:extLst>
+          </p:cNvPr>
+          <p:cNvSpPr txBox="1"/>
+          <p:nvPr/>
+        </p:nvSpPr>
+        <p:spPr>
+          <a:xfrm>
+            <a:off x="396496" y="3326351"/>
+            <a:ext cx="1642053" cy="369332"/>
+          </a:xfrm>
+          <a:prstGeom prst="rect">
+            <a:avLst/>
+          </a:prstGeom>
+          <a:noFill/>
+        </p:spPr>
+        <p:txBody>
+          <a:bodyPr wrap="none" rtlCol="0">
+            <a:spAutoFit/>
+          </a:bodyPr>
+          <a:lstStyle/>
+          <a:p>
+            <a:r>
+              <a:rPr lang="en-US" altLang="zh-TW"/>
+              <a:t>txdata Register:</a:t>
+            </a:r>
+            <a:endParaRPr lang="zh-TW" altLang="en-US" dirty="0"/>
+          </a:p>
+        </p:txBody>
+      </p:sp>
+      <p:sp>
+        <p:nvSpPr>
+          <p:cNvPr id="8" name="文字方塊 7">
+            <a:extLst>
+              <a:ext uri="{FF2B5EF4-FFF2-40B4-BE49-F238E27FC236}">
+                <a16:creationId xmlns:a16="http://schemas.microsoft.com/office/drawing/2014/main" id="{1BD83EC3-0AF8-15B3-96A0-931A171BFA07}"/>
+              </a:ext>
+            </a:extLst>
+          </p:cNvPr>
+          <p:cNvSpPr txBox="1"/>
+          <p:nvPr/>
+        </p:nvSpPr>
+        <p:spPr>
+          <a:xfrm>
+            <a:off x="393290" y="4527239"/>
+            <a:ext cx="11130116" cy="1477328"/>
+          </a:xfrm>
+          <a:prstGeom prst="rect">
+            <a:avLst/>
+          </a:prstGeom>
+          <a:noFill/>
+        </p:spPr>
+        <p:txBody>
+          <a:bodyPr wrap="square">
+            <a:spAutoFit/>
+          </a:bodyPr>
+          <a:lstStyle/>
+          <a:p>
+            <a:pPr marL="285750" indent="-285750">
+              <a:buFont typeface="Wingdings" panose="05000000000000000000" pitchFamily="2" charset="2"/>
+              <a:buChar char="u"/>
+            </a:pPr>
+            <a:r>
+              <a:rPr lang="zh-TW" altLang="en-US" dirty="0"/>
+              <a:t>Avalon-MM master peripherals write characters to be transmitted into the txdata register.</a:t>
+            </a:r>
+            <a:endParaRPr lang="en-US" altLang="zh-TW" dirty="0"/>
+          </a:p>
+          <a:p>
+            <a:pPr marL="285750" indent="-285750">
+              <a:buFont typeface="Wingdings" panose="05000000000000000000" pitchFamily="2" charset="2"/>
+              <a:buChar char="u"/>
+            </a:pPr>
+            <a:r>
+              <a:rPr lang="en-US" altLang="zh-TW" dirty="0">
+                <a:solidFill>
+                  <a:srgbClr val="FF0000"/>
+                </a:solidFill>
+              </a:rPr>
+              <a:t>Characters should not be written to txdata until the transmitter is ready for a new character</a:t>
+            </a:r>
+            <a:r>
+              <a:rPr lang="en-US" altLang="zh-TW" dirty="0"/>
+              <a:t>, as indicated by the TRDY bit in the status register.</a:t>
+            </a:r>
+          </a:p>
+          <a:p>
+            <a:pPr marL="285750" indent="-285750">
+              <a:buFont typeface="Wingdings" panose="05000000000000000000" pitchFamily="2" charset="2"/>
+              <a:buChar char="u"/>
+            </a:pPr>
+            <a:r>
+              <a:rPr lang="en-US" altLang="zh-TW" dirty="0"/>
+              <a:t>The TRDY bit is set to 0 when a character is written into the txdata register. The TRDY bit is set to 1 when the character is transferred from the txdata register into the transmitter shift register.</a:t>
+            </a:r>
+            <a:endParaRPr lang="zh-TW" altLang="en-US" dirty="0"/>
+          </a:p>
+        </p:txBody>
+      </p:sp>
+      <p:sp>
+        <p:nvSpPr>
+          <p:cNvPr id="9" name="文字方塊 8">
+            <a:extLst>
+              <a:ext uri="{FF2B5EF4-FFF2-40B4-BE49-F238E27FC236}">
+                <a16:creationId xmlns:a16="http://schemas.microsoft.com/office/drawing/2014/main" id="{70FC92F4-4F2B-8205-6A44-2C7D275D3970}"/>
+              </a:ext>
+            </a:extLst>
+          </p:cNvPr>
+          <p:cNvSpPr txBox="1"/>
+          <p:nvPr/>
+        </p:nvSpPr>
+        <p:spPr>
+          <a:xfrm>
+            <a:off x="688258" y="3926795"/>
+            <a:ext cx="11189795" cy="369332"/>
+          </a:xfrm>
+          <a:prstGeom prst="rect">
+            <a:avLst/>
+          </a:prstGeom>
+          <a:noFill/>
+        </p:spPr>
+        <p:txBody>
+          <a:bodyPr wrap="none" rtlCol="0">
+            <a:spAutoFit/>
+          </a:bodyPr>
+          <a:lstStyle/>
+          <a:p>
+            <a:r>
+              <a:rPr lang="en-US" altLang="zh-TW" dirty="0">
+                <a:solidFill>
+                  <a:srgbClr val="FF0000"/>
+                </a:solidFill>
+              </a:rPr>
+              <a:t>txdata register </a:t>
+            </a:r>
+            <a:r>
+              <a:rPr lang="zh-TW" altLang="en-US" dirty="0">
+                <a:solidFill>
+                  <a:srgbClr val="FF0000"/>
+                </a:solidFill>
+              </a:rPr>
+              <a:t>有值時</a:t>
+            </a:r>
+            <a:r>
+              <a:rPr lang="en-US" altLang="zh-TW" dirty="0">
+                <a:solidFill>
+                  <a:srgbClr val="FF0000"/>
+                </a:solidFill>
+              </a:rPr>
+              <a:t>:</a:t>
+            </a:r>
+            <a:r>
+              <a:rPr lang="zh-TW" altLang="en-US" dirty="0">
+                <a:solidFill>
+                  <a:srgbClr val="FF0000"/>
+                </a:solidFill>
+              </a:rPr>
+              <a:t> </a:t>
+            </a:r>
+            <a:r>
+              <a:rPr lang="en-US" altLang="zh-TW" dirty="0">
+                <a:solidFill>
+                  <a:srgbClr val="FF0000"/>
+                </a:solidFill>
+              </a:rPr>
+              <a:t>status register.rrdy = 0, </a:t>
+            </a:r>
+            <a:r>
+              <a:rPr lang="zh-TW" altLang="en-US" dirty="0">
+                <a:solidFill>
+                  <a:srgbClr val="FF0000"/>
+                </a:solidFill>
+              </a:rPr>
+              <a:t>無值時為</a:t>
+            </a:r>
+            <a:r>
+              <a:rPr lang="en-US" altLang="zh-TW" dirty="0">
+                <a:solidFill>
+                  <a:srgbClr val="FF0000"/>
+                </a:solidFill>
+              </a:rPr>
+              <a:t>1</a:t>
+            </a:r>
+            <a:r>
+              <a:rPr lang="zh-TW" altLang="en-US" dirty="0">
+                <a:solidFill>
+                  <a:srgbClr val="FF0000"/>
+                </a:solidFill>
+              </a:rPr>
+              <a:t>。只有當</a:t>
+            </a:r>
+            <a:r>
+              <a:rPr lang="en-US" altLang="zh-TW" dirty="0">
+                <a:solidFill>
+                  <a:srgbClr val="FF0000"/>
+                </a:solidFill>
+              </a:rPr>
+              <a:t>status register.rrdy = 1</a:t>
+            </a:r>
+            <a:r>
+              <a:rPr lang="zh-TW" altLang="en-US" dirty="0">
+                <a:solidFill>
+                  <a:srgbClr val="FF0000"/>
+                </a:solidFill>
+              </a:rPr>
+              <a:t> 時才能寫新的值到</a:t>
+            </a:r>
+            <a:r>
+              <a:rPr lang="en-US" altLang="zh-TW" dirty="0">
+                <a:solidFill>
+                  <a:srgbClr val="FF0000"/>
+                </a:solidFill>
+              </a:rPr>
+              <a:t>txdata!</a:t>
+            </a:r>
+            <a:endParaRPr lang="zh-TW" altLang="en-US" dirty="0">
+              <a:solidFill>
+                <a:srgbClr val="FF0000"/>
+              </a:solidFill>
+            </a:endParaRPr>
+          </a:p>
+        </p:txBody>
+      </p:sp>
+    </p:spTree>
+    <p:extLst>
+      <p:ext uri="{BB962C8B-B14F-4D97-AF65-F5344CB8AC3E}">
+        <p14:creationId xmlns:p14="http://schemas.microsoft.com/office/powerpoint/2010/main" val="2223721547"/>
+      </p:ext>
+    </p:extLst>
+  </p:cSld>
+  <p:clrMapOvr>
+    <a:masterClrMapping/>
+  </p:clrMapOvr>
+</p:sld>
+</file>
+
+<file path=ppt/slides/slide9.xml><?xml version="1.0" encoding="utf-8"?>
+<p:sld xmlns:a="http://schemas.openxmlformats.org/drawingml/2006/main" xmlns:r="http://schemas.openxmlformats.org/officeDocument/2006/relationships" xmlns:p="http://schemas.openxmlformats.org/presentationml/2006/main">
+  <p:cSld>
+    <p:spTree>
+      <p:nvGrpSpPr>
+        <p:cNvPr id="1" name=""/>
+        <p:cNvGrpSpPr/>
+        <p:nvPr/>
+      </p:nvGrpSpPr>
+      <p:grpSpPr>
+        <a:xfrm>
+          <a:off x="0" y="0"/>
+          <a:ext cx="0" cy="0"/>
+          <a:chOff x="0" y="0"/>
+          <a:chExt cx="0" cy="0"/>
+        </a:xfrm>
+      </p:grpSpPr>
+      <p:pic>
+        <p:nvPicPr>
+          <p:cNvPr id="3" name="圖片 2">
+            <a:extLst>
+              <a:ext uri="{FF2B5EF4-FFF2-40B4-BE49-F238E27FC236}">
+                <a16:creationId xmlns:a16="http://schemas.microsoft.com/office/drawing/2014/main" id="{43798B6D-29C4-DA8F-997A-2284CAEA77F9}"/>
+              </a:ext>
+            </a:extLst>
+          </p:cNvPr>
+          <p:cNvPicPr>
+            <a:picLocks noChangeAspect="1"/>
+          </p:cNvPicPr>
+          <p:nvPr/>
+        </p:nvPicPr>
+        <p:blipFill>
+          <a:blip r:embed="rId2"/>
+          <a:stretch>
+            <a:fillRect/>
+          </a:stretch>
+        </p:blipFill>
+        <p:spPr>
+          <a:xfrm>
+            <a:off x="1333487" y="2023867"/>
+            <a:ext cx="8817104" cy="2377646"/>
+          </a:xfrm>
+          <a:prstGeom prst="rect">
+            <a:avLst/>
+          </a:prstGeom>
+        </p:spPr>
+      </p:pic>
+    </p:spTree>
+    <p:extLst>
+      <p:ext uri="{BB962C8B-B14F-4D97-AF65-F5344CB8AC3E}">
+        <p14:creationId xmlns:p14="http://schemas.microsoft.com/office/powerpoint/2010/main" val="3405670217"/>
       </p:ext>
     </p:extLst>
   </p:cSld>
